--- a/CalendarioAgo20/Presentaciones/5_Direccionamiento.pptx
+++ b/CalendarioAgo20/Presentaciones/5_Direccionamiento.pptx
@@ -225,7 +225,7 @@
           <a:p>
             <a:fld id="{2D445F07-8756-451B-A938-0248325FC7BB}" type="datetimeFigureOut">
               <a:rPr lang="es-MX" smtClean="0"/>
-              <a:t>24/02/2020</a:t>
+              <a:t>25/08/2020</a:t>
             </a:fld>
             <a:endParaRPr lang="es-MX" dirty="0"/>
           </a:p>
@@ -1526,7 +1526,7 @@
           <a:p>
             <a:fld id="{5E75A0DC-66C6-4CEC-A5EB-F8C97CEC3796}" type="datetimeFigureOut">
               <a:rPr lang="es-MX" smtClean="0"/>
-              <a:t>24/02/2020</a:t>
+              <a:t>25/08/2020</a:t>
             </a:fld>
             <a:endParaRPr lang="es-MX" dirty="0"/>
           </a:p>
@@ -1696,7 +1696,7 @@
           <a:p>
             <a:fld id="{5E75A0DC-66C6-4CEC-A5EB-F8C97CEC3796}" type="datetimeFigureOut">
               <a:rPr lang="es-MX" smtClean="0"/>
-              <a:t>24/02/2020</a:t>
+              <a:t>25/08/2020</a:t>
             </a:fld>
             <a:endParaRPr lang="es-MX" dirty="0"/>
           </a:p>
@@ -1876,7 +1876,7 @@
           <a:p>
             <a:fld id="{5E75A0DC-66C6-4CEC-A5EB-F8C97CEC3796}" type="datetimeFigureOut">
               <a:rPr lang="es-MX" smtClean="0"/>
-              <a:t>24/02/2020</a:t>
+              <a:t>25/08/2020</a:t>
             </a:fld>
             <a:endParaRPr lang="es-MX" dirty="0"/>
           </a:p>
@@ -2046,7 +2046,7 @@
           <a:p>
             <a:fld id="{5E75A0DC-66C6-4CEC-A5EB-F8C97CEC3796}" type="datetimeFigureOut">
               <a:rPr lang="es-MX" smtClean="0"/>
-              <a:t>24/02/2020</a:t>
+              <a:t>25/08/2020</a:t>
             </a:fld>
             <a:endParaRPr lang="es-MX" dirty="0"/>
           </a:p>
@@ -2292,7 +2292,7 @@
           <a:p>
             <a:fld id="{5E75A0DC-66C6-4CEC-A5EB-F8C97CEC3796}" type="datetimeFigureOut">
               <a:rPr lang="es-MX" smtClean="0"/>
-              <a:t>24/02/2020</a:t>
+              <a:t>25/08/2020</a:t>
             </a:fld>
             <a:endParaRPr lang="es-MX" dirty="0"/>
           </a:p>
@@ -2580,7 +2580,7 @@
           <a:p>
             <a:fld id="{5E75A0DC-66C6-4CEC-A5EB-F8C97CEC3796}" type="datetimeFigureOut">
               <a:rPr lang="es-MX" smtClean="0"/>
-              <a:t>24/02/2020</a:t>
+              <a:t>25/08/2020</a:t>
             </a:fld>
             <a:endParaRPr lang="es-MX" dirty="0"/>
           </a:p>
@@ -3002,7 +3002,7 @@
           <a:p>
             <a:fld id="{5E75A0DC-66C6-4CEC-A5EB-F8C97CEC3796}" type="datetimeFigureOut">
               <a:rPr lang="es-MX" smtClean="0"/>
-              <a:t>24/02/2020</a:t>
+              <a:t>25/08/2020</a:t>
             </a:fld>
             <a:endParaRPr lang="es-MX" dirty="0"/>
           </a:p>
@@ -3120,7 +3120,7 @@
           <a:p>
             <a:fld id="{5E75A0DC-66C6-4CEC-A5EB-F8C97CEC3796}" type="datetimeFigureOut">
               <a:rPr lang="es-MX" smtClean="0"/>
-              <a:t>24/02/2020</a:t>
+              <a:t>25/08/2020</a:t>
             </a:fld>
             <a:endParaRPr lang="es-MX" dirty="0"/>
           </a:p>
@@ -3215,7 +3215,7 @@
           <a:p>
             <a:fld id="{5E75A0DC-66C6-4CEC-A5EB-F8C97CEC3796}" type="datetimeFigureOut">
               <a:rPr lang="es-MX" smtClean="0"/>
-              <a:t>24/02/2020</a:t>
+              <a:t>25/08/2020</a:t>
             </a:fld>
             <a:endParaRPr lang="es-MX" dirty="0"/>
           </a:p>
@@ -3492,7 +3492,7 @@
           <a:p>
             <a:fld id="{5E75A0DC-66C6-4CEC-A5EB-F8C97CEC3796}" type="datetimeFigureOut">
               <a:rPr lang="es-MX" smtClean="0"/>
-              <a:t>24/02/2020</a:t>
+              <a:t>25/08/2020</a:t>
             </a:fld>
             <a:endParaRPr lang="es-MX" dirty="0"/>
           </a:p>
@@ -3745,7 +3745,7 @@
           <a:p>
             <a:fld id="{5E75A0DC-66C6-4CEC-A5EB-F8C97CEC3796}" type="datetimeFigureOut">
               <a:rPr lang="es-MX" smtClean="0"/>
-              <a:t>24/02/2020</a:t>
+              <a:t>25/08/2020</a:t>
             </a:fld>
             <a:endParaRPr lang="es-MX" dirty="0"/>
           </a:p>
@@ -3958,7 +3958,7 @@
           <a:p>
             <a:fld id="{5E75A0DC-66C6-4CEC-A5EB-F8C97CEC3796}" type="datetimeFigureOut">
               <a:rPr lang="es-MX" smtClean="0"/>
-              <a:t>24/02/2020</a:t>
+              <a:t>25/08/2020</a:t>
             </a:fld>
             <a:endParaRPr lang="es-MX" dirty="0"/>
           </a:p>
@@ -6047,19 +6047,22 @@
             </a:pPr>
             <a:r>
               <a:rPr lang="es-MX" sz="1600" dirty="0">
-                <a:latin typeface="ZapfHumnst BT"/>
+                <a:latin typeface="Arial" pitchFamily="34" charset="0"/>
+                <a:cs typeface="Arial" pitchFamily="34" charset="0"/>
               </a:rPr>
               <a:t>El Internet ha crecido de una manera vertiginosa en los últimos tiempos y la única cosa segura es que va a seguir creciendo a proporciones mucho más grandes, esta es la principal razón por la cual las </a:t>
             </a:r>
             <a:r>
               <a:rPr lang="es-MX" sz="1600" dirty="0" err="1">
-                <a:latin typeface="ZapfHumnst BT"/>
+                <a:latin typeface="Arial" pitchFamily="34" charset="0"/>
+                <a:cs typeface="Arial" pitchFamily="34" charset="0"/>
               </a:rPr>
               <a:t>IPs</a:t>
             </a:r>
             <a:r>
               <a:rPr lang="es-MX" sz="1600" dirty="0">
-                <a:latin typeface="ZapfHumnst BT"/>
+                <a:latin typeface="Arial" pitchFamily="34" charset="0"/>
+                <a:cs typeface="Arial" pitchFamily="34" charset="0"/>
               </a:rPr>
               <a:t> v4 ya se acabaron. </a:t>
             </a:r>
@@ -12214,7 +12217,7 @@
           <a:graphicData uri="http://schemas.openxmlformats.org/presentationml/2006/ole">
             <mc:AlternateContent xmlns:mc="http://schemas.openxmlformats.org/markup-compatibility/2006">
               <mc:Choice xmlns:v="urn:schemas-microsoft-com:vml" Requires="v">
-                <p:oleObj spid="_x0000_s24610" name="Bitmap Image" r:id="rId4" imgW="1819280" imgH="2552567" progId="PBrush">
+                <p:oleObj spid="_x0000_s24611" name="Bitmap Image" r:id="rId4" imgW="1819280" imgH="2552567" progId="PBrush">
                   <p:embed/>
                 </p:oleObj>
               </mc:Choice>
